--- a/slides/overview.pptx
+++ b/slides/overview.pptx
@@ -322,6 +322,11 @@
       </a:defRPr>
     </a:lvl9pPr>
   </p:defaultTextStyle>
+  <p:extLst>
+    <p:ext uri="{EFAFB233-063F-42B5-8137-9DF3F51BA10A}">
+      <p15:sldGuideLst xmlns:p15="http://schemas.microsoft.com/office/powerpoint/2012/main"/>
+    </p:ext>
+  </p:extLst>
 </p:presentation>
 </file>
 
@@ -1922,7 +1927,15 @@
             </a:pPr>
             <a:r>
               <a:rPr lang="en-US" dirty="0" smtClean="0"/>
-              <a:t>http://cs550.github.io</a:t>
+              <a:t>http</a:t>
+            </a:r>
+            <a:r>
+              <a:rPr lang="en-US" dirty="0" smtClean="0"/>
+              <a:t>://</a:t>
+            </a:r>
+            <a:r>
+              <a:rPr lang="en-US" dirty="0" err="1" smtClean="0"/>
+              <a:t>oscourse.github.io</a:t>
             </a:r>
             <a:endParaRPr dirty="0"/>
           </a:p>
@@ -2016,6 +2029,7 @@
               <a:defRPr sz="2800"/>
             </a:pPr>
             <a:r>
+              <a:rPr dirty="0"/>
               <a:t>Keep the perspective</a:t>
             </a:r>
           </a:p>
@@ -2024,6 +2038,7 @@
               <a:defRPr sz="2800"/>
             </a:pPr>
             <a:r>
+              <a:rPr dirty="0"/>
               <a:t>This is only one little course in the scheme of “things”.</a:t>
             </a:r>
           </a:p>
@@ -2031,13 +2046,14 @@
             <a:pPr marL="320842" indent="-320842">
               <a:defRPr sz="2800"/>
             </a:pPr>
-            <a:endParaRPr/>
+            <a:endParaRPr dirty="0"/>
           </a:p>
           <a:p>
             <a:pPr marL="320842" indent="-320842">
               <a:defRPr sz="2800"/>
             </a:pPr>
             <a:r>
+              <a:rPr dirty="0"/>
               <a:t>If you are overwhelmed with the course, talk to us.</a:t>
             </a:r>
           </a:p>
@@ -2045,21 +2061,36 @@
             <a:pPr marL="320842" indent="-320842">
               <a:defRPr sz="2800"/>
             </a:pPr>
-            <a:endParaRPr/>
+            <a:endParaRPr dirty="0"/>
           </a:p>
           <a:p>
             <a:pPr marL="320842" indent="-320842">
               <a:defRPr sz="2800"/>
             </a:pPr>
             <a:r>
-              <a:t>If you are depressed or panicking.</a:t>
+              <a:rPr dirty="0"/>
+              <a:t>If you are depressed or </a:t>
             </a:r>
+            <a:r>
+              <a:rPr dirty="0" smtClean="0"/>
+              <a:t>panicking</a:t>
+            </a:r>
+            <a:r>
+              <a:rPr lang="en-US" dirty="0" smtClean="0"/>
+              <a:t> for any other reason</a:t>
+            </a:r>
+            <a:r>
+              <a:rPr dirty="0" smtClean="0"/>
+              <a:t>.</a:t>
+            </a:r>
+            <a:endParaRPr dirty="0"/>
           </a:p>
           <a:p>
             <a:pPr lvl="1">
               <a:defRPr sz="2800"/>
             </a:pPr>
             <a:r>
+              <a:rPr dirty="0"/>
               <a:t>Seek professional counseling.</a:t>
             </a:r>
           </a:p>
@@ -2068,6 +2099,7 @@
               <a:defRPr sz="2800"/>
             </a:pPr>
             <a:r>
+              <a:rPr dirty="0"/>
               <a:t>http://counseling.binghamton.edu/  </a:t>
             </a:r>
           </a:p>
@@ -2076,6 +2108,7 @@
               <a:defRPr sz="2800"/>
             </a:pPr>
             <a:r>
+              <a:rPr dirty="0"/>
               <a:t>Hope you won’t need to ☺</a:t>
             </a:r>
           </a:p>
